--- a/Slides/03_Lecture.pptx
+++ b/Slides/03_Lecture.pptx
@@ -3826,13 +3826,35 @@
         </p:nvSpPr>
         <p:spPr/>
         <p:txBody>
-          <a:bodyPr/>
+          <a:bodyPr>
+            <a:normAutofit/>
+          </a:bodyPr>
           <a:lstStyle/>
           <a:p>
             <a:r>
               <a:rPr lang="en-US" dirty="0"/>
               <a:t>There are many different types of data collected within urban contexts. </a:t>
             </a:r>
+            <a:endParaRPr lang="en-US" dirty="0" smtClean="0"/>
+          </a:p>
+          <a:p>
+            <a:r>
+              <a:rPr lang="en-US" dirty="0"/>
+              <a:t>Data are generated organically, as a byproduct of our daily lives, or through </a:t>
+            </a:r>
+            <a:r>
+              <a:rPr lang="en-US" dirty="0" smtClean="0"/>
+              <a:t>purposeful </a:t>
+            </a:r>
+            <a:r>
+              <a:rPr lang="en-US" dirty="0"/>
+              <a:t>data collection processes</a:t>
+            </a:r>
+            <a:r>
+              <a:rPr lang="en-US" dirty="0" smtClean="0"/>
+              <a:t>.</a:t>
+            </a:r>
+            <a:endParaRPr lang="en-US" dirty="0"/>
           </a:p>
           <a:p>
             <a:r>
@@ -4088,7 +4110,6 @@
               <a:rPr lang="en-US" dirty="0"/>
               <a:t>a microscope might allow us to see things that are too small </a:t>
             </a:r>
-            <a:endParaRPr lang="en-US" dirty="0"/>
           </a:p>
           <a:p>
             <a:pPr lvl="1"/>
@@ -4402,7 +4423,6 @@
               <a:rPr lang="en-GB" dirty="0"/>
               <a:t>with a margin of error </a:t>
             </a:r>
-            <a:endParaRPr lang="en-GB" dirty="0"/>
           </a:p>
           <a:p>
             <a:pPr lvl="1"/>

--- a/Slides/03_Lecture.pptx
+++ b/Slides/03_Lecture.pptx
@@ -207,7 +207,7 @@
           <a:p>
             <a:fld id="{16136E8F-1965-6C44-A7B5-03BB9B497561}" type="datetimeFigureOut">
               <a:rPr lang="en-GB" smtClean="0"/>
-              <a:t>21/09/2017</a:t>
+              <a:t>31/10/2017</a:t>
             </a:fld>
             <a:endParaRPr lang="en-GB"/>
           </a:p>
@@ -606,7 +606,7 @@
           <a:p>
             <a:fld id="{C380D008-60B2-0246-B113-8E855462598C}" type="datetimeFigureOut">
               <a:rPr lang="en-GB" smtClean="0"/>
-              <a:t>21/09/2017</a:t>
+              <a:t>31/10/2017</a:t>
             </a:fld>
             <a:endParaRPr lang="en-GB"/>
           </a:p>
@@ -771,7 +771,7 @@
           <a:p>
             <a:fld id="{C380D008-60B2-0246-B113-8E855462598C}" type="datetimeFigureOut">
               <a:rPr lang="en-GB" smtClean="0"/>
-              <a:t>21/09/2017</a:t>
+              <a:t>31/10/2017</a:t>
             </a:fld>
             <a:endParaRPr lang="en-GB"/>
           </a:p>
@@ -946,7 +946,7 @@
           <a:p>
             <a:fld id="{C380D008-60B2-0246-B113-8E855462598C}" type="datetimeFigureOut">
               <a:rPr lang="en-GB" smtClean="0"/>
-              <a:t>21/09/2017</a:t>
+              <a:t>31/10/2017</a:t>
             </a:fld>
             <a:endParaRPr lang="en-GB"/>
           </a:p>
@@ -1111,7 +1111,7 @@
           <a:p>
             <a:fld id="{C380D008-60B2-0246-B113-8E855462598C}" type="datetimeFigureOut">
               <a:rPr lang="en-GB" smtClean="0"/>
-              <a:t>21/09/2017</a:t>
+              <a:t>31/10/2017</a:t>
             </a:fld>
             <a:endParaRPr lang="en-GB"/>
           </a:p>
@@ -1350,7 +1350,7 @@
           <a:p>
             <a:fld id="{C380D008-60B2-0246-B113-8E855462598C}" type="datetimeFigureOut">
               <a:rPr lang="en-GB" smtClean="0"/>
-              <a:t>21/09/2017</a:t>
+              <a:t>31/10/2017</a:t>
             </a:fld>
             <a:endParaRPr lang="en-GB"/>
           </a:p>
@@ -1577,7 +1577,7 @@
           <a:p>
             <a:fld id="{C380D008-60B2-0246-B113-8E855462598C}" type="datetimeFigureOut">
               <a:rPr lang="en-GB" smtClean="0"/>
-              <a:t>21/09/2017</a:t>
+              <a:t>31/10/2017</a:t>
             </a:fld>
             <a:endParaRPr lang="en-GB"/>
           </a:p>
@@ -1939,7 +1939,7 @@
           <a:p>
             <a:fld id="{C380D008-60B2-0246-B113-8E855462598C}" type="datetimeFigureOut">
               <a:rPr lang="en-GB" smtClean="0"/>
-              <a:t>21/09/2017</a:t>
+              <a:t>31/10/2017</a:t>
             </a:fld>
             <a:endParaRPr lang="en-GB"/>
           </a:p>
@@ -2052,7 +2052,7 @@
           <a:p>
             <a:fld id="{C380D008-60B2-0246-B113-8E855462598C}" type="datetimeFigureOut">
               <a:rPr lang="en-GB" smtClean="0"/>
-              <a:t>21/09/2017</a:t>
+              <a:t>31/10/2017</a:t>
             </a:fld>
             <a:endParaRPr lang="en-GB"/>
           </a:p>
@@ -2142,7 +2142,7 @@
           <a:p>
             <a:fld id="{C380D008-60B2-0246-B113-8E855462598C}" type="datetimeFigureOut">
               <a:rPr lang="en-GB" smtClean="0"/>
-              <a:t>21/09/2017</a:t>
+              <a:t>31/10/2017</a:t>
             </a:fld>
             <a:endParaRPr lang="en-GB"/>
           </a:p>
@@ -2414,7 +2414,7 @@
           <a:p>
             <a:fld id="{C380D008-60B2-0246-B113-8E855462598C}" type="datetimeFigureOut">
               <a:rPr lang="en-GB" smtClean="0"/>
-              <a:t>21/09/2017</a:t>
+              <a:t>31/10/2017</a:t>
             </a:fld>
             <a:endParaRPr lang="en-GB"/>
           </a:p>
@@ -2666,7 +2666,7 @@
           <a:p>
             <a:fld id="{C380D008-60B2-0246-B113-8E855462598C}" type="datetimeFigureOut">
               <a:rPr lang="en-GB" smtClean="0"/>
-              <a:t>21/09/2017</a:t>
+              <a:t>31/10/2017</a:t>
             </a:fld>
             <a:endParaRPr lang="en-GB"/>
           </a:p>
@@ -2874,7 +2874,7 @@
           <a:p>
             <a:fld id="{C380D008-60B2-0246-B113-8E855462598C}" type="datetimeFigureOut">
               <a:rPr lang="en-GB" smtClean="0"/>
-              <a:t>21/09/2017</a:t>
+              <a:t>31/10/2017</a:t>
             </a:fld>
             <a:endParaRPr lang="en-GB"/>
           </a:p>
@@ -3534,8 +3534,32 @@
               <a:buNone/>
             </a:pPr>
             <a:r>
-              <a:rPr lang="en-GB" smtClean="0"/>
-              <a:t>Alex D Singleton, Seth E Spielman, David C Folch (2017) Urban Analytics. London: Sage.</a:t>
+              <a:rPr lang="en-GB" dirty="0" smtClean="0"/>
+              <a:t>Alex D. Singleton, Seth E. </a:t>
+            </a:r>
+            <a:r>
+              <a:rPr lang="en-GB" dirty="0" err="1" smtClean="0"/>
+              <a:t>Spielman</a:t>
+            </a:r>
+            <a:r>
+              <a:rPr lang="en-GB" dirty="0" smtClean="0"/>
+              <a:t>, David C. </a:t>
+            </a:r>
+            <a:r>
+              <a:rPr lang="en-GB" dirty="0" err="1" smtClean="0"/>
+              <a:t>Folch</a:t>
+            </a:r>
+            <a:r>
+              <a:rPr lang="en-GB" dirty="0" smtClean="0"/>
+              <a:t> (2017) </a:t>
+            </a:r>
+            <a:r>
+              <a:rPr lang="en-GB" i="1" dirty="0" smtClean="0"/>
+              <a:t>Urban Analytics</a:t>
+            </a:r>
+            <a:r>
+              <a:rPr lang="en-GB" dirty="0" smtClean="0"/>
+              <a:t>. London: Sage.</a:t>
             </a:r>
             <a:endParaRPr lang="en-GB" dirty="0"/>
           </a:p>
@@ -3721,7 +3745,7 @@
           <a:p>
             <a:r>
               <a:rPr lang="en-GB" dirty="0" smtClean="0"/>
-              <a:t>Fast V Slow dynamics lend themselves to capture through different types of data</a:t>
+              <a:t>Fast v Slow dynamics lend themselves to capture through different types of data</a:t>
             </a:r>
           </a:p>
           <a:p>
@@ -3734,8 +3758,12 @@
           </a:p>
           <a:p>
             <a:r>
-              <a:rPr lang="en-GB" dirty="0" smtClean="0"/>
-              <a:t>Organic V purposeful data</a:t>
+              <a:rPr lang="en-GB" smtClean="0"/>
+              <a:t>Organic v </a:t>
+            </a:r>
+            <a:r>
+              <a:rPr lang="en-GB" dirty="0" smtClean="0"/>
+              <a:t>purposeful data</a:t>
             </a:r>
           </a:p>
           <a:p>
@@ -3873,7 +3901,11 @@
           <a:p>
             <a:r>
               <a:rPr lang="en-GB" dirty="0" smtClean="0"/>
-              <a:t>The different types of traditional data collected about cities</a:t>
+              <a:t>The different types of traditional data collected about </a:t>
+            </a:r>
+            <a:r>
+              <a:rPr lang="en-GB" dirty="0" smtClean="0"/>
+              <a:t>cities.</a:t>
             </a:r>
             <a:endParaRPr lang="en-GB" dirty="0"/>
           </a:p>
@@ -4210,8 +4242,12 @@
           <a:p>
             <a:pPr lvl="1"/>
             <a:r>
-              <a:rPr lang="en-GB" dirty="0" smtClean="0"/>
-              <a:t>by-product </a:t>
+              <a:rPr lang="en-GB" dirty="0" err="1" smtClean="0"/>
+              <a:t>byproduct</a:t>
+            </a:r>
+            <a:r>
+              <a:rPr lang="en-GB" dirty="0" smtClean="0"/>
+              <a:t> </a:t>
             </a:r>
             <a:r>
               <a:rPr lang="en-GB" dirty="0"/>
@@ -4237,7 +4273,7 @@
           <a:p>
             <a:r>
               <a:rPr lang="en-GB" dirty="0" smtClean="0"/>
-              <a:t>Purposeful / Designed</a:t>
+              <a:t>Purposeful/Designed</a:t>
             </a:r>
           </a:p>
           <a:p>
@@ -4251,8 +4287,12 @@
           <a:p>
             <a:pPr lvl="1"/>
             <a:r>
-              <a:rPr lang="en-GB" dirty="0" smtClean="0"/>
-              <a:t>E.g. national demographic / economic surveys; census</a:t>
+              <a:rPr lang="en-GB" dirty="0"/>
+              <a:t>e</a:t>
+            </a:r>
+            <a:r>
+              <a:rPr lang="en-GB" dirty="0" smtClean="0"/>
+              <a:t>.g. national demographic/economic surveys; census</a:t>
             </a:r>
           </a:p>
           <a:p>
@@ -4292,8 +4332,8 @@
               <a:t>in the design of surveys that are representative of a </a:t>
             </a:r>
             <a:r>
-              <a:rPr lang="en-GB" dirty="0" err="1" smtClean="0"/>
-              <a:t>populatio</a:t>
+              <a:rPr lang="en-GB" dirty="0" smtClean="0"/>
+              <a:t>population</a:t>
             </a:r>
             <a:endParaRPr lang="en-GB" dirty="0"/>
           </a:p>
@@ -4402,7 +4442,7 @@
             <a:pPr lvl="2"/>
             <a:r>
               <a:rPr lang="en-GB" dirty="0" smtClean="0"/>
-              <a:t>US 2010 Census - </a:t>
+              <a:t>US 2010 Census – </a:t>
             </a:r>
             <a:r>
               <a:rPr lang="en-GB" dirty="0"/>
@@ -4609,7 +4649,11 @@
             </a:r>
             <a:r>
               <a:rPr lang="en-GB" dirty="0"/>
-              <a:t>in how close each poll’s findings are to the “truth.” </a:t>
+              <a:t>in how close each poll’s findings are to the “</a:t>
+            </a:r>
+            <a:r>
+              <a:rPr lang="en-GB" dirty="0" smtClean="0"/>
+              <a:t>truth” </a:t>
             </a:r>
             <a:endParaRPr lang="en-GB" dirty="0" smtClean="0"/>
           </a:p>
@@ -4630,8 +4674,16 @@
           <a:p>
             <a:pPr lvl="3"/>
             <a:r>
-              <a:rPr lang="en-GB" dirty="0" smtClean="0"/>
-              <a:t>E.g. political poll </a:t>
+              <a:rPr lang="en-GB" dirty="0"/>
+              <a:t>e</a:t>
+            </a:r>
+            <a:r>
+              <a:rPr lang="en-GB" dirty="0" smtClean="0"/>
+              <a:t>.g</a:t>
+            </a:r>
+            <a:r>
+              <a:rPr lang="en-GB" dirty="0" smtClean="0"/>
+              <a:t>. political poll </a:t>
             </a:r>
             <a:r>
               <a:rPr lang="mr-IN" dirty="0" smtClean="0"/>
@@ -4735,8 +4787,12 @@
           <a:p>
             <a:pPr lvl="1"/>
             <a:r>
-              <a:rPr lang="en-GB" dirty="0" smtClean="0"/>
-              <a:t>E.g. US Census Bureau or Office for National Statistics (UK)</a:t>
+              <a:rPr lang="en-GB" dirty="0"/>
+              <a:t>e</a:t>
+            </a:r>
+            <a:r>
+              <a:rPr lang="en-GB" dirty="0" smtClean="0"/>
+              <a:t>.g. US Census Bureau or Office for National Statistics (UK)</a:t>
             </a:r>
           </a:p>
           <a:p>
@@ -4855,11 +4911,7 @@
             <a:pPr lvl="1"/>
             <a:r>
               <a:rPr lang="en-GB" dirty="0" smtClean="0"/>
-              <a:t>Survey by mail, telephone, web, face to face </a:t>
-            </a:r>
-            <a:r>
-              <a:rPr lang="en-GB" dirty="0" err="1" smtClean="0"/>
-              <a:t>etc</a:t>
+              <a:t>Survey by mail, telephone, web, face-to-face etc.</a:t>
             </a:r>
             <a:endParaRPr lang="en-GB" dirty="0"/>
           </a:p>
@@ -4878,7 +4930,7 @@
           <a:p>
             <a:r>
               <a:rPr lang="en-GB" dirty="0" smtClean="0"/>
-              <a:t>Vary in size / detail</a:t>
+              <a:t>Vary in size/detail</a:t>
             </a:r>
           </a:p>
           <a:p>
